--- a/MLProject1.pptx
+++ b/MLProject1.pptx
@@ -32,6 +32,7 @@
     <p:sldId id="281" r:id="rId26"/>
     <p:sldId id="279" r:id="rId27"/>
     <p:sldId id="280" r:id="rId28"/>
+    <p:sldId id="286" r:id="rId29"/>
   </p:sldIdLst>
   <p:sldSz cx="12192000" cy="6858000"/>
   <p:notesSz cx="6858000" cy="9144000"/>
@@ -5225,6 +5226,317 @@
 </p:sld>
 </file>
 
+<file path=ppt/slides/slide28.xml><?xml version="1.0" encoding="utf-8"?>
+<p:sld xmlns:a="http://schemas.openxmlformats.org/drawingml/2006/main" xmlns:r="http://schemas.openxmlformats.org/officeDocument/2006/relationships" xmlns:p="http://schemas.openxmlformats.org/presentationml/2006/main">
+  <p:cSld>
+    <p:spTree>
+      <p:nvGrpSpPr>
+        <p:cNvPr id="1" name=""/>
+        <p:cNvGrpSpPr/>
+        <p:nvPr/>
+      </p:nvGrpSpPr>
+      <p:grpSpPr>
+        <a:xfrm>
+          <a:off x="0" y="0"/>
+          <a:ext cx="0" cy="0"/>
+          <a:chOff x="0" y="0"/>
+          <a:chExt cx="0" cy="0"/>
+        </a:xfrm>
+      </p:grpSpPr>
+      <p:sp>
+        <p:nvSpPr>
+          <p:cNvPr id="2" name="Title 1">
+            <a:extLst>
+              <a:ext uri="{FF2B5EF4-FFF2-40B4-BE49-F238E27FC236}">
+                <a16:creationId xmlns:a16="http://schemas.microsoft.com/office/drawing/2014/main" id="{4D862F1B-2563-5570-59E4-CCC304F5DC67}"/>
+              </a:ext>
+            </a:extLst>
+          </p:cNvPr>
+          <p:cNvSpPr>
+            <a:spLocks noGrp="1"/>
+          </p:cNvSpPr>
+          <p:nvPr>
+            <p:ph type="title"/>
+          </p:nvPr>
+        </p:nvSpPr>
+        <p:spPr/>
+        <p:txBody>
+          <a:bodyPr/>
+          <a:lstStyle/>
+          <a:p>
+            <a:r>
+              <a:rPr lang="en-IN" dirty="0"/>
+              <a:t>Conclusions </a:t>
+            </a:r>
+          </a:p>
+        </p:txBody>
+      </p:sp>
+      <p:sp>
+        <p:nvSpPr>
+          <p:cNvPr id="4" name="Rectangle 1">
+            <a:extLst>
+              <a:ext uri="{FF2B5EF4-FFF2-40B4-BE49-F238E27FC236}">
+                <a16:creationId xmlns:a16="http://schemas.microsoft.com/office/drawing/2014/main" id="{A0D94591-CE64-F114-583D-842958D62C94}"/>
+              </a:ext>
+            </a:extLst>
+          </p:cNvPr>
+          <p:cNvSpPr>
+            <a:spLocks noGrp="1" noChangeArrowheads="1"/>
+          </p:cNvSpPr>
+          <p:nvPr>
+            <p:ph idx="1"/>
+          </p:nvPr>
+        </p:nvSpPr>
+        <p:spPr bwMode="auto">
+          <a:xfrm>
+            <a:off x="838200" y="1690688"/>
+            <a:ext cx="11211046" cy="1846659"/>
+          </a:xfrm>
+          <a:prstGeom prst="rect">
+            <a:avLst/>
+          </a:prstGeom>
+          <a:solidFill>
+            <a:srgbClr val="FFFFFF"/>
+          </a:solidFill>
+          <a:ln>
+            <a:noFill/>
+          </a:ln>
+          <a:effectLst/>
+          <a:extLst>
+            <a:ext uri="{91240B29-F687-4F45-9708-019B960494DF}">
+              <a14:hiddenLine xmlns:a14="http://schemas.microsoft.com/office/drawing/2010/main" w="9525">
+                <a:solidFill>
+                  <a:schemeClr val="tx1"/>
+                </a:solidFill>
+                <a:miter lim="800000"/>
+                <a:headEnd/>
+                <a:tailEnd/>
+              </a14:hiddenLine>
+            </a:ext>
+            <a:ext uri="{AF507438-7753-43E0-B8FC-AC1667EBCBE1}">
+              <a14:hiddenEffects xmlns:a14="http://schemas.microsoft.com/office/drawing/2010/main">
+                <a:effectLst>
+                  <a:outerShdw dist="35921" dir="2700000" algn="ctr" rotWithShape="0">
+                    <a:schemeClr val="bg2"/>
+                  </a:outerShdw>
+                </a:effectLst>
+              </a14:hiddenEffects>
+            </a:ext>
+          </a:extLst>
+        </p:spPr>
+        <p:txBody>
+          <a:bodyPr vert="horz" wrap="square" lIns="0" tIns="0" rIns="0" bIns="0" numCol="1" anchor="ctr" anchorCtr="0" compatLnSpc="1">
+            <a:prstTxWarp prst="textNoShape">
+              <a:avLst/>
+            </a:prstTxWarp>
+            <a:spAutoFit/>
+          </a:bodyPr>
+          <a:lstStyle/>
+          <a:p>
+            <a:pPr marL="457200" marR="0" lvl="0" indent="-457200" algn="l" defTabSz="914400" rtl="0" eaLnBrk="0" fontAlgn="base" latinLnBrk="0" hangingPunct="0">
+              <a:lnSpc>
+                <a:spcPct val="100000"/>
+              </a:lnSpc>
+              <a:spcBef>
+                <a:spcPct val="0"/>
+              </a:spcBef>
+              <a:spcAft>
+                <a:spcPct val="0"/>
+              </a:spcAft>
+              <a:buClrTx/>
+              <a:buSzTx/>
+              <a:buFontTx/>
+              <a:buAutoNum type="arabicPeriod"/>
+              <a:tabLst/>
+            </a:pPr>
+            <a:r>
+              <a:rPr kumimoji="0" lang="en-US" altLang="en-US" sz="2000" b="0" i="0" u="none" strike="noStrike" cap="none" normalizeH="0" baseline="0" dirty="0">
+                <a:ln>
+                  <a:noFill/>
+                </a:ln>
+                <a:solidFill>
+                  <a:schemeClr val="tx1"/>
+                </a:solidFill>
+                <a:effectLst/>
+                <a:latin typeface="menlo"/>
+              </a:rPr>
+              <a:t>All ensemble methods significantly outperformed the base weak classifier (decision stump).</a:t>
+            </a:r>
+          </a:p>
+          <a:p>
+            <a:pPr marL="457200" marR="0" lvl="0" indent="-457200" algn="l" defTabSz="914400" rtl="0" eaLnBrk="0" fontAlgn="base" latinLnBrk="0" hangingPunct="0">
+              <a:lnSpc>
+                <a:spcPct val="100000"/>
+              </a:lnSpc>
+              <a:spcBef>
+                <a:spcPct val="0"/>
+              </a:spcBef>
+              <a:spcAft>
+                <a:spcPct val="0"/>
+              </a:spcAft>
+              <a:buClrTx/>
+              <a:buSzTx/>
+              <a:buFontTx/>
+              <a:buAutoNum type="arabicPeriod"/>
+              <a:tabLst/>
+            </a:pPr>
+            <a:r>
+              <a:rPr kumimoji="0" lang="en-US" altLang="en-US" sz="2000" b="0" i="0" u="none" strike="noStrike" cap="none" normalizeH="0" baseline="0" dirty="0">
+                <a:ln>
+                  <a:noFill/>
+                </a:ln>
+                <a:solidFill>
+                  <a:schemeClr val="tx1"/>
+                </a:solidFill>
+                <a:effectLst/>
+                <a:latin typeface="menlo"/>
+              </a:rPr>
+              <a:t>The best performing model was Tuned AdaBoost with 0.8161 accuracy. </a:t>
+            </a:r>
+          </a:p>
+          <a:p>
+            <a:pPr marL="457200" marR="0" lvl="0" indent="-457200" algn="l" defTabSz="914400" rtl="0" eaLnBrk="0" fontAlgn="base" latinLnBrk="0" hangingPunct="0">
+              <a:lnSpc>
+                <a:spcPct val="100000"/>
+              </a:lnSpc>
+              <a:spcBef>
+                <a:spcPct val="0"/>
+              </a:spcBef>
+              <a:spcAft>
+                <a:spcPct val="0"/>
+              </a:spcAft>
+              <a:buClrTx/>
+              <a:buSzTx/>
+              <a:buFontTx/>
+              <a:buAutoNum type="arabicPeriod"/>
+              <a:tabLst/>
+            </a:pPr>
+            <a:r>
+              <a:rPr kumimoji="0" lang="en-US" altLang="en-US" sz="2000" b="0" i="0" u="none" strike="noStrike" cap="none" normalizeH="0" baseline="0" dirty="0">
+                <a:ln>
+                  <a:noFill/>
+                </a:ln>
+                <a:solidFill>
+                  <a:schemeClr val="tx1"/>
+                </a:solidFill>
+                <a:effectLst/>
+                <a:latin typeface="menlo"/>
+              </a:rPr>
+              <a:t>Ensemble methods improved accuracy by up to 4.0% over the base classifier.</a:t>
+            </a:r>
+          </a:p>
+          <a:p>
+            <a:pPr marL="457200" marR="0" lvl="0" indent="-457200" algn="l" defTabSz="914400" rtl="0" eaLnBrk="0" fontAlgn="base" latinLnBrk="0" hangingPunct="0">
+              <a:lnSpc>
+                <a:spcPct val="100000"/>
+              </a:lnSpc>
+              <a:spcBef>
+                <a:spcPct val="0"/>
+              </a:spcBef>
+              <a:spcAft>
+                <a:spcPct val="0"/>
+              </a:spcAft>
+              <a:buClrTx/>
+              <a:buSzTx/>
+              <a:buFontTx/>
+              <a:buAutoNum type="arabicPeriod"/>
+              <a:tabLst/>
+            </a:pPr>
+            <a:r>
+              <a:rPr kumimoji="0" lang="en-US" altLang="en-US" sz="2000" b="0" i="0" u="none" strike="noStrike" cap="none" normalizeH="0" baseline="0" dirty="0">
+                <a:ln>
+                  <a:noFill/>
+                </a:ln>
+                <a:solidFill>
+                  <a:schemeClr val="tx1"/>
+                </a:solidFill>
+                <a:effectLst/>
+                <a:latin typeface="menlo"/>
+              </a:rPr>
+              <a:t>Boosting methods (AdaBoost, Gradient Boosting) generally performed better than Bagging for this dataset.</a:t>
+            </a:r>
+          </a:p>
+          <a:p>
+            <a:pPr marL="457200" marR="0" lvl="0" indent="-457200" algn="l" defTabSz="914400" rtl="0" eaLnBrk="0" fontAlgn="base" latinLnBrk="0" hangingPunct="0">
+              <a:lnSpc>
+                <a:spcPct val="100000"/>
+              </a:lnSpc>
+              <a:spcBef>
+                <a:spcPct val="0"/>
+              </a:spcBef>
+              <a:spcAft>
+                <a:spcPct val="0"/>
+              </a:spcAft>
+              <a:buClrTx/>
+              <a:buSzTx/>
+              <a:buFontTx/>
+              <a:buAutoNum type="arabicPeriod"/>
+              <a:tabLst/>
+            </a:pPr>
+            <a:r>
+              <a:rPr kumimoji="0" lang="en-US" altLang="en-US" sz="2000" b="0" i="0" u="none" strike="noStrike" cap="none" normalizeH="0" baseline="0" dirty="0">
+                <a:ln>
+                  <a:noFill/>
+                </a:ln>
+                <a:solidFill>
+                  <a:schemeClr val="tx1"/>
+                </a:solidFill>
+                <a:effectLst/>
+                <a:latin typeface="menlo"/>
+              </a:rPr>
+              <a:t>Hyperparameter tuning further improved the performance of the AdaBoost model</a:t>
+            </a:r>
+            <a:r>
+              <a:rPr kumimoji="0" lang="en-US" altLang="en-US" sz="900" b="0" i="0" u="none" strike="noStrike" cap="none" normalizeH="0" baseline="0" dirty="0">
+                <a:ln>
+                  <a:noFill/>
+                </a:ln>
+                <a:solidFill>
+                  <a:schemeClr val="tx1"/>
+                </a:solidFill>
+                <a:effectLst/>
+                <a:latin typeface="menlo"/>
+              </a:rPr>
+              <a:t>.</a:t>
+            </a:r>
+            <a:r>
+              <a:rPr kumimoji="0" lang="en-US" altLang="en-US" sz="800" b="0" i="0" u="none" strike="noStrike" cap="none" normalizeH="0" baseline="0" dirty="0">
+                <a:ln>
+                  <a:noFill/>
+                </a:ln>
+                <a:solidFill>
+                  <a:schemeClr val="tx1"/>
+                </a:solidFill>
+                <a:effectLst/>
+              </a:rPr>
+              <a:t> </a:t>
+            </a:r>
+            <a:endParaRPr kumimoji="0" lang="en-US" altLang="en-US" sz="1800" b="0" i="0" u="none" strike="noStrike" cap="none" normalizeH="0" baseline="0" dirty="0">
+              <a:ln>
+                <a:noFill/>
+              </a:ln>
+              <a:solidFill>
+                <a:schemeClr val="tx1"/>
+              </a:solidFill>
+              <a:effectLst/>
+              <a:latin typeface="Arial" panose="020B0604020202020204" pitchFamily="34" charset="0"/>
+            </a:endParaRPr>
+          </a:p>
+        </p:txBody>
+      </p:sp>
+    </p:spTree>
+    <p:extLst>
+      <p:ext uri="{BB962C8B-B14F-4D97-AF65-F5344CB8AC3E}">
+        <p14:creationId xmlns:p14="http://schemas.microsoft.com/office/powerpoint/2010/main" val="927760573"/>
+      </p:ext>
+    </p:extLst>
+  </p:cSld>
+  <p:clrMapOvr>
+    <a:masterClrMapping/>
+  </p:clrMapOvr>
+</p:sld>
+</file>
+
 <file path=ppt/slides/slide3.xml><?xml version="1.0" encoding="utf-8"?>
 <p:sld xmlns:a="http://schemas.openxmlformats.org/drawingml/2006/main" xmlns:r="http://schemas.openxmlformats.org/officeDocument/2006/relationships" xmlns:p="http://schemas.openxmlformats.org/presentationml/2006/main">
   <p:cSld>
